--- a/Detecting Malicious Assembly with Deep Learning.pptx
+++ b/Detecting Malicious Assembly with Deep Learning.pptx
@@ -9976,8 +9976,8 @@
     <dgm:cxn modelId="{EDE7B044-2739-4A82-B2B9-B54C8BA6D450}" srcId="{27DA897F-E06D-4061-B7EB-4EC4D2F6D3BC}" destId="{7C90D193-37C6-4393-AB9E-9AB35A7D089F}" srcOrd="1" destOrd="0" parTransId="{2F07E761-82F4-4AF8-A5AE-AE8A456B4723}" sibTransId="{465DC1D9-4138-4BB4-86DD-F6CB2C4F597C}"/>
     <dgm:cxn modelId="{FFB9DE45-CD65-4D2A-8E40-AF7282813178}" type="presOf" srcId="{72D79637-772F-4413-B31D-947F9A37D258}" destId="{0048A609-ACC3-41C1-8DC7-3D1A1A121AFC}" srcOrd="0" destOrd="0" presId="urn:microsoft.com/office/officeart/2005/8/layout/process1"/>
     <dgm:cxn modelId="{D1CF0047-3CE0-4567-9D78-167A555FCBC6}" type="presOf" srcId="{D7677A70-305E-4C97-BBBF-4FBBEAB9EB4B}" destId="{FD22513E-22F9-469B-8CE6-7084EF61BAD0}" srcOrd="0" destOrd="0" presId="urn:microsoft.com/office/officeart/2005/8/layout/process1"/>
+    <dgm:cxn modelId="{E99B256E-8E38-4767-9D02-D610B2920A38}" type="presOf" srcId="{E83F33A6-A66F-4FE5-ABB1-709246E91022}" destId="{DC26F6C7-7579-4F14-977B-D35F691CE381}" srcOrd="1" destOrd="0" presId="urn:microsoft.com/office/officeart/2005/8/layout/process1"/>
     <dgm:cxn modelId="{0F187653-8E1B-4832-9DD2-BAE66D0282BD}" srcId="{27DA897F-E06D-4061-B7EB-4EC4D2F6D3BC}" destId="{0C8D9234-33B7-4560-9152-7C08B787F2FA}" srcOrd="3" destOrd="0" parTransId="{030E91B0-0C75-43EA-8C86-048CE40A8FB9}" sibTransId="{98767F2A-50FE-4B5C-8F10-72FE3B35C4FA}"/>
-    <dgm:cxn modelId="{E99B256E-8E38-4767-9D02-D610B2920A38}" type="presOf" srcId="{E83F33A6-A66F-4FE5-ABB1-709246E91022}" destId="{DC26F6C7-7579-4F14-977B-D35F691CE381}" srcOrd="1" destOrd="0" presId="urn:microsoft.com/office/officeart/2005/8/layout/process1"/>
     <dgm:cxn modelId="{43F2DD81-2AAF-4CBB-A8DD-9A692F442B83}" type="presOf" srcId="{0C8D9234-33B7-4560-9152-7C08B787F2FA}" destId="{AD93B9D6-3BEB-4D7F-AD0F-1F6BC891DC10}" srcOrd="0" destOrd="0" presId="urn:microsoft.com/office/officeart/2005/8/layout/process1"/>
     <dgm:cxn modelId="{914B0785-F33E-451A-B4E6-BA4C72E5A46A}" type="presOf" srcId="{E83F33A6-A66F-4FE5-ABB1-709246E91022}" destId="{4DFBF5DC-AF6C-43F4-A002-6B0AB66197FA}" srcOrd="0" destOrd="0" presId="urn:microsoft.com/office/officeart/2005/8/layout/process1"/>
     <dgm:cxn modelId="{AAF3D88F-0E1D-4F20-9751-4AB3126E058C}" srcId="{27DA897F-E06D-4061-B7EB-4EC4D2F6D3BC}" destId="{22528239-E2C4-4CC3-BC97-1E4AB6D5F431}" srcOrd="0" destOrd="0" parTransId="{872B8580-45A7-43BC-9B50-EE8CEAA5D554}" sibTransId="{E83F33A6-A66F-4FE5-ABB1-709246E91022}"/>
@@ -18633,7 +18633,7 @@
           <a:p>
             <a:fld id="{22DD7D9C-50AE-471D-9639-22A484DD15F3}" type="datetimeFigureOut">
               <a:rPr lang="en-US" smtClean="0"/>
-              <a:t>7/23/18</a:t>
+              <a:t>8/4/2018</a:t>
             </a:fld>
             <a:endParaRPr lang="en-US"/>
           </a:p>
@@ -19587,7 +19587,7 @@
           <a:p>
             <a:fld id="{1F9034D7-0E2F-3B41-98BD-604083477A99}" type="datetimeFigureOut">
               <a:rPr lang="en-US" smtClean="0"/>
-              <a:t>7/23/18</a:t>
+              <a:t>8/4/2018</a:t>
             </a:fld>
             <a:endParaRPr lang="en-US"/>
           </a:p>
@@ -19755,7 +19755,7 @@
           <a:p>
             <a:fld id="{1F9034D7-0E2F-3B41-98BD-604083477A99}" type="datetimeFigureOut">
               <a:rPr lang="en-US" smtClean="0"/>
-              <a:t>7/23/18</a:t>
+              <a:t>8/4/2018</a:t>
             </a:fld>
             <a:endParaRPr lang="en-US"/>
           </a:p>
@@ -19933,7 +19933,7 @@
           <a:p>
             <a:fld id="{1F9034D7-0E2F-3B41-98BD-604083477A99}" type="datetimeFigureOut">
               <a:rPr lang="en-US" smtClean="0"/>
-              <a:t>7/23/18</a:t>
+              <a:t>8/4/2018</a:t>
             </a:fld>
             <a:endParaRPr lang="en-US"/>
           </a:p>
@@ -20101,7 +20101,7 @@
           <a:p>
             <a:fld id="{1F9034D7-0E2F-3B41-98BD-604083477A99}" type="datetimeFigureOut">
               <a:rPr lang="en-US" smtClean="0"/>
-              <a:t>7/23/18</a:t>
+              <a:t>8/4/2018</a:t>
             </a:fld>
             <a:endParaRPr lang="en-US"/>
           </a:p>
@@ -20346,7 +20346,7 @@
           <a:p>
             <a:fld id="{1F9034D7-0E2F-3B41-98BD-604083477A99}" type="datetimeFigureOut">
               <a:rPr lang="en-US" smtClean="0"/>
-              <a:t>7/23/18</a:t>
+              <a:t>8/4/2018</a:t>
             </a:fld>
             <a:endParaRPr lang="en-US"/>
           </a:p>
@@ -20631,7 +20631,7 @@
           <a:p>
             <a:fld id="{1F9034D7-0E2F-3B41-98BD-604083477A99}" type="datetimeFigureOut">
               <a:rPr lang="en-US" smtClean="0"/>
-              <a:t>7/23/18</a:t>
+              <a:t>8/4/2018</a:t>
             </a:fld>
             <a:endParaRPr lang="en-US"/>
           </a:p>
@@ -21050,7 +21050,7 @@
           <a:p>
             <a:fld id="{1F9034D7-0E2F-3B41-98BD-604083477A99}" type="datetimeFigureOut">
               <a:rPr lang="en-US" smtClean="0"/>
-              <a:t>7/23/18</a:t>
+              <a:t>8/4/2018</a:t>
             </a:fld>
             <a:endParaRPr lang="en-US"/>
           </a:p>
@@ -21167,7 +21167,7 @@
           <a:p>
             <a:fld id="{1F9034D7-0E2F-3B41-98BD-604083477A99}" type="datetimeFigureOut">
               <a:rPr lang="en-US" smtClean="0"/>
-              <a:t>7/23/18</a:t>
+              <a:t>8/4/2018</a:t>
             </a:fld>
             <a:endParaRPr lang="en-US"/>
           </a:p>
@@ -21262,7 +21262,7 @@
           <a:p>
             <a:fld id="{1F9034D7-0E2F-3B41-98BD-604083477A99}" type="datetimeFigureOut">
               <a:rPr lang="en-US" smtClean="0"/>
-              <a:t>7/23/18</a:t>
+              <a:t>8/4/2018</a:t>
             </a:fld>
             <a:endParaRPr lang="en-US"/>
           </a:p>
@@ -21537,7 +21537,7 @@
           <a:p>
             <a:fld id="{1F9034D7-0E2F-3B41-98BD-604083477A99}" type="datetimeFigureOut">
               <a:rPr lang="en-US" smtClean="0"/>
-              <a:t>7/23/18</a:t>
+              <a:t>8/4/2018</a:t>
             </a:fld>
             <a:endParaRPr lang="en-US"/>
           </a:p>
@@ -21789,7 +21789,7 @@
           <a:p>
             <a:fld id="{1F9034D7-0E2F-3B41-98BD-604083477A99}" type="datetimeFigureOut">
               <a:rPr lang="en-US" smtClean="0"/>
-              <a:t>7/23/18</a:t>
+              <a:t>8/4/2018</a:t>
             </a:fld>
             <a:endParaRPr lang="en-US"/>
           </a:p>
@@ -22009,7 +22009,7 @@
           <a:p>
             <a:fld id="{1F9034D7-0E2F-3B41-98BD-604083477A99}" type="datetimeFigureOut">
               <a:rPr lang="en-US" smtClean="0"/>
-              <a:t>7/23/18</a:t>
+              <a:t>8/4/2018</a:t>
             </a:fld>
             <a:endParaRPr lang="en-US"/>
           </a:p>
@@ -23088,7 +23088,7 @@
           <p:nvPr>
             <p:extLst>
               <p:ext uri="{D42A27DB-BD31-4B8C-83A1-F6EECF244321}">
-                <p14:modId xmlns:p14="http://schemas.microsoft.com/office/powerpoint/2010/main" val="3119901480"/>
+                <p14:modId xmlns:p14="http://schemas.microsoft.com/office/powerpoint/2010/main" val="3368447557"/>
               </p:ext>
             </p:extLst>
           </p:nvPr>
@@ -23260,8 +23260,13 @@
                     <a:p>
                       <a:r>
                         <a:rPr lang="en-US" dirty="0"/>
-                        <a:t>TP: 72</a:t>
+                        <a:t>TP</a:t>
                       </a:r>
+                      <a:r>
+                        <a:rPr lang="en-US"/>
+                        <a:t>: 76</a:t>
+                      </a:r>
+                      <a:endParaRPr lang="en-US" dirty="0"/>
                     </a:p>
                   </a:txBody>
                   <a:tcPr/>
